--- a/Inv_Summary/Flow.pptx
+++ b/Inv_Summary/Flow.pptx
@@ -260,7 +260,7 @@
           <a:p>
             <a:fld id="{881DB7EA-9F4C-4DF2-8DD8-0FA40985062A}" type="datetimeFigureOut">
               <a:rPr lang="zh-CN" altLang="en-US" smtClean="0"/>
-              <a:t>2020/4/18</a:t>
+              <a:t>2020/4/19</a:t>
             </a:fld>
             <a:endParaRPr lang="zh-CN" altLang="en-US"/>
           </a:p>
@@ -458,7 +458,7 @@
           <a:p>
             <a:fld id="{881DB7EA-9F4C-4DF2-8DD8-0FA40985062A}" type="datetimeFigureOut">
               <a:rPr lang="zh-CN" altLang="en-US" smtClean="0"/>
-              <a:t>2020/4/18</a:t>
+              <a:t>2020/4/19</a:t>
             </a:fld>
             <a:endParaRPr lang="zh-CN" altLang="en-US"/>
           </a:p>
@@ -666,7 +666,7 @@
           <a:p>
             <a:fld id="{881DB7EA-9F4C-4DF2-8DD8-0FA40985062A}" type="datetimeFigureOut">
               <a:rPr lang="zh-CN" altLang="en-US" smtClean="0"/>
-              <a:t>2020/4/18</a:t>
+              <a:t>2020/4/19</a:t>
             </a:fld>
             <a:endParaRPr lang="zh-CN" altLang="en-US"/>
           </a:p>
@@ -864,7 +864,7 @@
           <a:p>
             <a:fld id="{881DB7EA-9F4C-4DF2-8DD8-0FA40985062A}" type="datetimeFigureOut">
               <a:rPr lang="zh-CN" altLang="en-US" smtClean="0"/>
-              <a:t>2020/4/18</a:t>
+              <a:t>2020/4/19</a:t>
             </a:fld>
             <a:endParaRPr lang="zh-CN" altLang="en-US"/>
           </a:p>
@@ -1139,7 +1139,7 @@
           <a:p>
             <a:fld id="{881DB7EA-9F4C-4DF2-8DD8-0FA40985062A}" type="datetimeFigureOut">
               <a:rPr lang="zh-CN" altLang="en-US" smtClean="0"/>
-              <a:t>2020/4/18</a:t>
+              <a:t>2020/4/19</a:t>
             </a:fld>
             <a:endParaRPr lang="zh-CN" altLang="en-US"/>
           </a:p>
@@ -1404,7 +1404,7 @@
           <a:p>
             <a:fld id="{881DB7EA-9F4C-4DF2-8DD8-0FA40985062A}" type="datetimeFigureOut">
               <a:rPr lang="zh-CN" altLang="en-US" smtClean="0"/>
-              <a:t>2020/4/18</a:t>
+              <a:t>2020/4/19</a:t>
             </a:fld>
             <a:endParaRPr lang="zh-CN" altLang="en-US"/>
           </a:p>
@@ -1816,7 +1816,7 @@
           <a:p>
             <a:fld id="{881DB7EA-9F4C-4DF2-8DD8-0FA40985062A}" type="datetimeFigureOut">
               <a:rPr lang="zh-CN" altLang="en-US" smtClean="0"/>
-              <a:t>2020/4/18</a:t>
+              <a:t>2020/4/19</a:t>
             </a:fld>
             <a:endParaRPr lang="zh-CN" altLang="en-US"/>
           </a:p>
@@ -1957,7 +1957,7 @@
           <a:p>
             <a:fld id="{881DB7EA-9F4C-4DF2-8DD8-0FA40985062A}" type="datetimeFigureOut">
               <a:rPr lang="zh-CN" altLang="en-US" smtClean="0"/>
-              <a:t>2020/4/18</a:t>
+              <a:t>2020/4/19</a:t>
             </a:fld>
             <a:endParaRPr lang="zh-CN" altLang="en-US"/>
           </a:p>
@@ -2070,7 +2070,7 @@
           <a:p>
             <a:fld id="{881DB7EA-9F4C-4DF2-8DD8-0FA40985062A}" type="datetimeFigureOut">
               <a:rPr lang="zh-CN" altLang="en-US" smtClean="0"/>
-              <a:t>2020/4/18</a:t>
+              <a:t>2020/4/19</a:t>
             </a:fld>
             <a:endParaRPr lang="zh-CN" altLang="en-US"/>
           </a:p>
@@ -2381,7 +2381,7 @@
           <a:p>
             <a:fld id="{881DB7EA-9F4C-4DF2-8DD8-0FA40985062A}" type="datetimeFigureOut">
               <a:rPr lang="zh-CN" altLang="en-US" smtClean="0"/>
-              <a:t>2020/4/18</a:t>
+              <a:t>2020/4/19</a:t>
             </a:fld>
             <a:endParaRPr lang="zh-CN" altLang="en-US"/>
           </a:p>
@@ -2669,7 +2669,7 @@
           <a:p>
             <a:fld id="{881DB7EA-9F4C-4DF2-8DD8-0FA40985062A}" type="datetimeFigureOut">
               <a:rPr lang="zh-CN" altLang="en-US" smtClean="0"/>
-              <a:t>2020/4/18</a:t>
+              <a:t>2020/4/19</a:t>
             </a:fld>
             <a:endParaRPr lang="zh-CN" altLang="en-US"/>
           </a:p>
@@ -2910,7 +2910,7 @@
           <a:p>
             <a:fld id="{881DB7EA-9F4C-4DF2-8DD8-0FA40985062A}" type="datetimeFigureOut">
               <a:rPr lang="zh-CN" altLang="en-US" smtClean="0"/>
-              <a:t>2020/4/18</a:t>
+              <a:t>2020/4/19</a:t>
             </a:fld>
             <a:endParaRPr lang="zh-CN" altLang="en-US"/>
           </a:p>
@@ -5623,8 +5623,8 @@
         </p:nvSpPr>
         <p:spPr>
           <a:xfrm>
-            <a:off x="1229959" y="5841960"/>
-            <a:ext cx="1569660" cy="369332"/>
+            <a:off x="1008110" y="5760784"/>
+            <a:ext cx="2031325" cy="461665"/>
           </a:xfrm>
           <a:prstGeom prst="rect">
             <a:avLst/>
@@ -5638,7 +5638,7 @@
           <a:lstStyle/>
           <a:p>
             <a:r>
-              <a:rPr lang="zh-CN" altLang="en-US" dirty="0"/>
+              <a:rPr lang="zh-CN" altLang="en-US" sz="2400" dirty="0"/>
               <a:t>增加一个设施</a:t>
             </a:r>
           </a:p>
@@ -5704,8 +5704,8 @@
         </p:nvSpPr>
         <p:spPr>
           <a:xfrm>
-            <a:off x="5428844" y="5841960"/>
-            <a:ext cx="1569660" cy="369332"/>
+            <a:off x="5080336" y="5760783"/>
+            <a:ext cx="2031325" cy="461665"/>
           </a:xfrm>
           <a:prstGeom prst="rect">
             <a:avLst/>
@@ -5719,7 +5719,7 @@
           <a:lstStyle/>
           <a:p>
             <a:r>
-              <a:rPr lang="zh-CN" altLang="en-US" dirty="0"/>
+              <a:rPr lang="zh-CN" altLang="en-US" sz="2400" dirty="0"/>
               <a:t>交换一对设施</a:t>
             </a:r>
           </a:p>
@@ -5785,8 +5785,8 @@
         </p:nvSpPr>
         <p:spPr>
           <a:xfrm>
-            <a:off x="9365948" y="5843372"/>
-            <a:ext cx="1569660" cy="369332"/>
+            <a:off x="9201972" y="5760783"/>
+            <a:ext cx="2031325" cy="461665"/>
           </a:xfrm>
           <a:prstGeom prst="rect">
             <a:avLst/>
@@ -5800,7 +5800,7 @@
           <a:lstStyle/>
           <a:p>
             <a:r>
-              <a:rPr lang="zh-CN" altLang="en-US" dirty="0"/>
+              <a:rPr lang="zh-CN" altLang="en-US" sz="2400" dirty="0"/>
               <a:t>减少一个设施</a:t>
             </a:r>
           </a:p>
@@ -5862,8 +5862,8 @@
         </p:nvSpPr>
         <p:spPr>
           <a:xfrm>
-            <a:off x="8093976" y="2039895"/>
-            <a:ext cx="877163" cy="369332"/>
+            <a:off x="8108725" y="1947562"/>
+            <a:ext cx="1107996" cy="461665"/>
           </a:xfrm>
           <a:prstGeom prst="rect">
             <a:avLst/>
@@ -5877,7 +5877,7 @@
           <a:lstStyle/>
           <a:p>
             <a:r>
-              <a:rPr lang="zh-CN" altLang="en-US" dirty="0"/>
+              <a:rPr lang="zh-CN" altLang="en-US" sz="2400" dirty="0"/>
               <a:t>当前解</a:t>
             </a:r>
           </a:p>

--- a/Inv_Summary/Flow.pptx
+++ b/Inv_Summary/Flow.pptx
@@ -7,6 +7,7 @@
   <p:sldIdLst>
     <p:sldId id="256" r:id="rId2"/>
     <p:sldId id="257" r:id="rId3"/>
+    <p:sldId id="258" r:id="rId4"/>
   </p:sldIdLst>
   <p:sldSz cx="12192000" cy="6858000"/>
   <p:notesSz cx="6858000" cy="9144000"/>
@@ -260,7 +261,7 @@
           <a:p>
             <a:fld id="{881DB7EA-9F4C-4DF2-8DD8-0FA40985062A}" type="datetimeFigureOut">
               <a:rPr lang="zh-CN" altLang="en-US" smtClean="0"/>
-              <a:t>2020/4/19</a:t>
+              <a:t>2020/7/17</a:t>
             </a:fld>
             <a:endParaRPr lang="zh-CN" altLang="en-US"/>
           </a:p>
@@ -458,7 +459,7 @@
           <a:p>
             <a:fld id="{881DB7EA-9F4C-4DF2-8DD8-0FA40985062A}" type="datetimeFigureOut">
               <a:rPr lang="zh-CN" altLang="en-US" smtClean="0"/>
-              <a:t>2020/4/19</a:t>
+              <a:t>2020/7/17</a:t>
             </a:fld>
             <a:endParaRPr lang="zh-CN" altLang="en-US"/>
           </a:p>
@@ -666,7 +667,7 @@
           <a:p>
             <a:fld id="{881DB7EA-9F4C-4DF2-8DD8-0FA40985062A}" type="datetimeFigureOut">
               <a:rPr lang="zh-CN" altLang="en-US" smtClean="0"/>
-              <a:t>2020/4/19</a:t>
+              <a:t>2020/7/17</a:t>
             </a:fld>
             <a:endParaRPr lang="zh-CN" altLang="en-US"/>
           </a:p>
@@ -864,7 +865,7 @@
           <a:p>
             <a:fld id="{881DB7EA-9F4C-4DF2-8DD8-0FA40985062A}" type="datetimeFigureOut">
               <a:rPr lang="zh-CN" altLang="en-US" smtClean="0"/>
-              <a:t>2020/4/19</a:t>
+              <a:t>2020/7/17</a:t>
             </a:fld>
             <a:endParaRPr lang="zh-CN" altLang="en-US"/>
           </a:p>
@@ -1139,7 +1140,7 @@
           <a:p>
             <a:fld id="{881DB7EA-9F4C-4DF2-8DD8-0FA40985062A}" type="datetimeFigureOut">
               <a:rPr lang="zh-CN" altLang="en-US" smtClean="0"/>
-              <a:t>2020/4/19</a:t>
+              <a:t>2020/7/17</a:t>
             </a:fld>
             <a:endParaRPr lang="zh-CN" altLang="en-US"/>
           </a:p>
@@ -1404,7 +1405,7 @@
           <a:p>
             <a:fld id="{881DB7EA-9F4C-4DF2-8DD8-0FA40985062A}" type="datetimeFigureOut">
               <a:rPr lang="zh-CN" altLang="en-US" smtClean="0"/>
-              <a:t>2020/4/19</a:t>
+              <a:t>2020/7/17</a:t>
             </a:fld>
             <a:endParaRPr lang="zh-CN" altLang="en-US"/>
           </a:p>
@@ -1816,7 +1817,7 @@
           <a:p>
             <a:fld id="{881DB7EA-9F4C-4DF2-8DD8-0FA40985062A}" type="datetimeFigureOut">
               <a:rPr lang="zh-CN" altLang="en-US" smtClean="0"/>
-              <a:t>2020/4/19</a:t>
+              <a:t>2020/7/17</a:t>
             </a:fld>
             <a:endParaRPr lang="zh-CN" altLang="en-US"/>
           </a:p>
@@ -1957,7 +1958,7 @@
           <a:p>
             <a:fld id="{881DB7EA-9F4C-4DF2-8DD8-0FA40985062A}" type="datetimeFigureOut">
               <a:rPr lang="zh-CN" altLang="en-US" smtClean="0"/>
-              <a:t>2020/4/19</a:t>
+              <a:t>2020/7/17</a:t>
             </a:fld>
             <a:endParaRPr lang="zh-CN" altLang="en-US"/>
           </a:p>
@@ -2070,7 +2071,7 @@
           <a:p>
             <a:fld id="{881DB7EA-9F4C-4DF2-8DD8-0FA40985062A}" type="datetimeFigureOut">
               <a:rPr lang="zh-CN" altLang="en-US" smtClean="0"/>
-              <a:t>2020/4/19</a:t>
+              <a:t>2020/7/17</a:t>
             </a:fld>
             <a:endParaRPr lang="zh-CN" altLang="en-US"/>
           </a:p>
@@ -2381,7 +2382,7 @@
           <a:p>
             <a:fld id="{881DB7EA-9F4C-4DF2-8DD8-0FA40985062A}" type="datetimeFigureOut">
               <a:rPr lang="zh-CN" altLang="en-US" smtClean="0"/>
-              <a:t>2020/4/19</a:t>
+              <a:t>2020/7/17</a:t>
             </a:fld>
             <a:endParaRPr lang="zh-CN" altLang="en-US"/>
           </a:p>
@@ -2669,7 +2670,7 @@
           <a:p>
             <a:fld id="{881DB7EA-9F4C-4DF2-8DD8-0FA40985062A}" type="datetimeFigureOut">
               <a:rPr lang="zh-CN" altLang="en-US" smtClean="0"/>
-              <a:t>2020/4/19</a:t>
+              <a:t>2020/7/17</a:t>
             </a:fld>
             <a:endParaRPr lang="zh-CN" altLang="en-US"/>
           </a:p>
@@ -2910,7 +2911,7 @@
           <a:p>
             <a:fld id="{881DB7EA-9F4C-4DF2-8DD8-0FA40985062A}" type="datetimeFigureOut">
               <a:rPr lang="zh-CN" altLang="en-US" smtClean="0"/>
-              <a:t>2020/4/19</a:t>
+              <a:t>2020/7/17</a:t>
             </a:fld>
             <a:endParaRPr lang="zh-CN" altLang="en-US"/>
           </a:p>
@@ -3341,7 +3342,7 @@
         </p:nvSpPr>
         <p:spPr>
           <a:xfrm>
-            <a:off x="1065401" y="167779"/>
+            <a:off x="3204596" y="167779"/>
             <a:ext cx="1199625" cy="453006"/>
           </a:xfrm>
           <a:prstGeom prst="roundRect">
@@ -3392,7 +3393,7 @@
         </p:nvCxnSpPr>
         <p:spPr>
           <a:xfrm flipH="1">
-            <a:off x="1665207" y="620785"/>
+            <a:off x="3804402" y="620785"/>
             <a:ext cx="7" cy="318782"/>
           </a:xfrm>
           <a:prstGeom prst="straightConnector1">
@@ -3431,7 +3432,7 @@
         </p:nvSpPr>
         <p:spPr>
           <a:xfrm>
-            <a:off x="1065387" y="939567"/>
+            <a:off x="3204582" y="939567"/>
             <a:ext cx="1199640" cy="419449"/>
           </a:xfrm>
           <a:prstGeom prst="rect">
@@ -3482,7 +3483,7 @@
         </p:nvCxnSpPr>
         <p:spPr>
           <a:xfrm flipH="1">
-            <a:off x="1665072" y="1359016"/>
+            <a:off x="3804267" y="1359016"/>
             <a:ext cx="135" cy="419450"/>
           </a:xfrm>
           <a:prstGeom prst="straightConnector1">
@@ -3521,7 +3522,7 @@
         </p:nvSpPr>
         <p:spPr>
           <a:xfrm>
-            <a:off x="1065116" y="1778466"/>
+            <a:off x="3204311" y="1778466"/>
             <a:ext cx="1199911" cy="633372"/>
           </a:xfrm>
           <a:prstGeom prst="rect">
@@ -3568,7 +3569,7 @@
         </p:nvSpPr>
         <p:spPr>
           <a:xfrm>
-            <a:off x="1065115" y="2835476"/>
+            <a:off x="3229477" y="2835476"/>
             <a:ext cx="1199911" cy="518020"/>
           </a:xfrm>
           <a:prstGeom prst="rect">
@@ -3625,7 +3626,7 @@
         </p:nvCxnSpPr>
         <p:spPr>
           <a:xfrm flipH="1">
-            <a:off x="1664935" y="2407640"/>
+            <a:off x="3829297" y="2407640"/>
             <a:ext cx="135" cy="419449"/>
           </a:xfrm>
           <a:prstGeom prst="straightConnector1">
@@ -3716,9 +3717,9 @@
           <p:nvPr/>
         </p:nvCxnSpPr>
         <p:spPr>
-          <a:xfrm flipH="1">
-            <a:off x="1664801" y="3359794"/>
-            <a:ext cx="135" cy="419449"/>
+          <a:xfrm>
+            <a:off x="1664801" y="3094486"/>
+            <a:ext cx="1" cy="684757"/>
           </a:xfrm>
           <a:prstGeom prst="straightConnector1">
             <a:avLst/>
@@ -4061,7 +4062,7 @@
             <a:pPr algn="ctr"/>
             <a:r>
               <a:rPr lang="zh-CN" altLang="en-US" sz="1600" dirty="0"/>
-              <a:t>方法三：</a:t>
+              <a:t>方法二：</a:t>
             </a:r>
             <a:endParaRPr lang="en-US" altLang="zh-CN" sz="1600" dirty="0"/>
           </a:p>
@@ -4125,7 +4126,7 @@
             <a:pPr algn="ctr"/>
             <a:r>
               <a:rPr lang="zh-CN" altLang="en-US" sz="1600" dirty="0"/>
-              <a:t>方法四：</a:t>
+              <a:t>方法三：</a:t>
             </a:r>
             <a:endParaRPr lang="en-US" altLang="zh-CN" sz="1600" dirty="0"/>
           </a:p>
@@ -4212,13 +4213,14 @@
           <p:nvPr/>
         </p:nvCxnSpPr>
         <p:spPr>
-          <a:xfrm flipH="1" flipV="1">
-            <a:off x="5620622" y="3078760"/>
-            <a:ext cx="9793" cy="377069"/>
+          <a:xfrm flipV="1">
+            <a:off x="5630415" y="3094486"/>
+            <a:ext cx="0" cy="361343"/>
           </a:xfrm>
           <a:prstGeom prst="line">
             <a:avLst/>
           </a:prstGeom>
+          <a:ln w="9525"/>
         </p:spPr>
         <p:style>
           <a:lnRef idx="1">
@@ -4251,14 +4253,14 @@
           <p:nvPr/>
         </p:nvCxnSpPr>
         <p:spPr>
-          <a:xfrm flipV="1">
-            <a:off x="2265026" y="3078760"/>
-            <a:ext cx="3355598" cy="15726"/>
+          <a:xfrm>
+            <a:off x="4429388" y="3094486"/>
+            <a:ext cx="1191235" cy="0"/>
           </a:xfrm>
           <a:prstGeom prst="line">
             <a:avLst/>
           </a:prstGeom>
-          <a:ln>
+          <a:ln w="9525">
             <a:headEnd type="triangle" w="med" len="med"/>
             <a:tailEnd type="none" w="med" len="med"/>
           </a:ln>
@@ -4280,62 +4282,6 @@
       </p:cxnSp>
       <p:sp>
         <p:nvSpPr>
-          <p:cNvPr id="69" name="矩形 68">
-            <a:extLst>
-              <a:ext uri="{FF2B5EF4-FFF2-40B4-BE49-F238E27FC236}">
-                <a16:creationId xmlns:a16="http://schemas.microsoft.com/office/drawing/2014/main" id="{C529349E-EDC8-4A5A-AD42-41D47B483D3E}"/>
-              </a:ext>
-            </a:extLst>
-          </p:cNvPr>
-          <p:cNvSpPr/>
-          <p:nvPr/>
-        </p:nvSpPr>
-        <p:spPr>
-          <a:xfrm>
-            <a:off x="3020674" y="1818056"/>
-            <a:ext cx="1408996" cy="736135"/>
-          </a:xfrm>
-          <a:prstGeom prst="rect">
-            <a:avLst/>
-          </a:prstGeom>
-        </p:spPr>
-        <p:style>
-          <a:lnRef idx="2">
-            <a:schemeClr val="dk1"/>
-          </a:lnRef>
-          <a:fillRef idx="1">
-            <a:schemeClr val="lt1"/>
-          </a:fillRef>
-          <a:effectRef idx="0">
-            <a:schemeClr val="dk1"/>
-          </a:effectRef>
-          <a:fontRef idx="minor">
-            <a:schemeClr val="dk1"/>
-          </a:fontRef>
-        </p:style>
-        <p:txBody>
-          <a:bodyPr rtlCol="0" anchor="ctr"/>
-          <a:lstStyle/>
-          <a:p>
-            <a:pPr algn="ctr"/>
-            <a:r>
-              <a:rPr lang="zh-CN" altLang="en-US" sz="1600" dirty="0"/>
-              <a:t>方法二：</a:t>
-            </a:r>
-            <a:endParaRPr lang="en-US" altLang="zh-CN" sz="1600" dirty="0"/>
-          </a:p>
-          <a:p>
-            <a:pPr algn="ctr"/>
-            <a:r>
-              <a:rPr lang="zh-CN" altLang="en-US" sz="1600" dirty="0"/>
-              <a:t>求解子问题设置迭代次数</a:t>
-            </a:r>
-            <a:endParaRPr lang="en-US" altLang="zh-CN" sz="1600" dirty="0"/>
-          </a:p>
-        </p:txBody>
-      </p:sp>
-      <p:sp>
-        <p:nvSpPr>
           <p:cNvPr id="70" name="文本框 69">
             <a:extLst>
               <a:ext uri="{FF2B5EF4-FFF2-40B4-BE49-F238E27FC236}">
@@ -4495,7 +4441,15 @@
             <a:pPr algn="ctr"/>
             <a:r>
               <a:rPr lang="zh-CN" altLang="en-US" sz="1600" dirty="0"/>
-              <a:t>输出结果最小改变量</a:t>
+              <a:t>输出结果</a:t>
+            </a:r>
+            <a:endParaRPr lang="en-US" altLang="zh-CN" sz="1600" dirty="0"/>
+          </a:p>
+          <a:p>
+            <a:pPr algn="ctr"/>
+            <a:r>
+              <a:rPr lang="zh-CN" altLang="en-US" sz="1600" dirty="0"/>
+              <a:t>最小改变量</a:t>
             </a:r>
           </a:p>
         </p:txBody>
@@ -4745,31 +4699,26 @@
       </p:cxnSp>
       <p:cxnSp>
         <p:nvCxnSpPr>
-          <p:cNvPr id="132" name="直接箭头连接符 131">
-            <a:extLst>
-              <a:ext uri="{FF2B5EF4-FFF2-40B4-BE49-F238E27FC236}">
-                <a16:creationId xmlns:a16="http://schemas.microsoft.com/office/drawing/2014/main" id="{FFB505FB-1761-44E2-B1FE-A967CDA220A4}"/>
+          <p:cNvPr id="16" name="直接连接符 15">
+            <a:extLst>
+              <a:ext uri="{FF2B5EF4-FFF2-40B4-BE49-F238E27FC236}">
+                <a16:creationId xmlns:a16="http://schemas.microsoft.com/office/drawing/2014/main" id="{F16CCE55-F03A-4283-84C2-8FF81CBDFE7B}"/>
               </a:ext>
             </a:extLst>
           </p:cNvPr>
           <p:cNvCxnSpPr>
-            <a:cxnSpLocks/>
-            <a:stCxn id="69" idx="2"/>
+            <a:stCxn id="26" idx="1"/>
           </p:cNvCxnSpPr>
           <p:nvPr/>
         </p:nvCxnSpPr>
         <p:spPr>
-          <a:xfrm>
-            <a:off x="3725172" y="2554191"/>
-            <a:ext cx="0" cy="524569"/>
-          </a:xfrm>
-          <a:prstGeom prst="straightConnector1">
-            <a:avLst/>
-          </a:prstGeom>
-          <a:ln>
-            <a:headEnd type="triangle" w="med" len="med"/>
-            <a:tailEnd type="none" w="med" len="med"/>
-          </a:ln>
+          <a:xfrm flipH="1">
+            <a:off x="1656682" y="3094486"/>
+            <a:ext cx="1572795" cy="0"/>
+          </a:xfrm>
+          <a:prstGeom prst="line">
+            <a:avLst/>
+          </a:prstGeom>
         </p:spPr>
         <p:style>
           <a:lnRef idx="1">
@@ -4786,179 +4735,37 @@
           </a:fontRef>
         </p:style>
       </p:cxnSp>
-      <p:cxnSp>
-        <p:nvCxnSpPr>
-          <p:cNvPr id="135" name="直接箭头连接符 134">
-            <a:extLst>
-              <a:ext uri="{FF2B5EF4-FFF2-40B4-BE49-F238E27FC236}">
-                <a16:creationId xmlns:a16="http://schemas.microsoft.com/office/drawing/2014/main" id="{6563B1B8-D583-49B2-87B2-075F7ED6E779}"/>
-              </a:ext>
-            </a:extLst>
-          </p:cNvPr>
-          <p:cNvCxnSpPr>
-            <a:stCxn id="69" idx="0"/>
-          </p:cNvCxnSpPr>
-          <p:nvPr/>
-        </p:nvCxnSpPr>
-        <p:spPr>
-          <a:xfrm flipV="1">
-            <a:off x="3725172" y="1359016"/>
-            <a:ext cx="0" cy="459040"/>
-          </a:xfrm>
-          <a:prstGeom prst="straightConnector1">
-            <a:avLst/>
-          </a:prstGeom>
-          <a:ln>
-            <a:tailEnd type="triangle"/>
-          </a:ln>
-        </p:spPr>
-        <p:style>
-          <a:lnRef idx="1">
-            <a:schemeClr val="dk1"/>
-          </a:lnRef>
-          <a:fillRef idx="0">
-            <a:schemeClr val="dk1"/>
-          </a:fillRef>
-          <a:effectRef idx="0">
-            <a:schemeClr val="dk1"/>
-          </a:effectRef>
-          <a:fontRef idx="minor">
-            <a:schemeClr val="tx1"/>
-          </a:fontRef>
-        </p:style>
-      </p:cxnSp>
-      <p:sp>
-        <p:nvSpPr>
-          <p:cNvPr id="136" name="矩形 135">
-            <a:extLst>
-              <a:ext uri="{FF2B5EF4-FFF2-40B4-BE49-F238E27FC236}">
-                <a16:creationId xmlns:a16="http://schemas.microsoft.com/office/drawing/2014/main" id="{96BEEA3F-8AB0-4142-BCC5-1930FAB22B03}"/>
-              </a:ext>
-            </a:extLst>
-          </p:cNvPr>
-          <p:cNvSpPr/>
-          <p:nvPr/>
-        </p:nvSpPr>
-        <p:spPr>
-          <a:xfrm>
-            <a:off x="3020674" y="939567"/>
-            <a:ext cx="1408996" cy="419449"/>
+      <p:sp>
+        <p:nvSpPr>
+          <p:cNvPr id="18" name="文本框 17">
+            <a:extLst>
+              <a:ext uri="{FF2B5EF4-FFF2-40B4-BE49-F238E27FC236}">
+                <a16:creationId xmlns:a16="http://schemas.microsoft.com/office/drawing/2014/main" id="{B1D56D95-087B-4B05-A134-98D26826BFC9}"/>
+              </a:ext>
+            </a:extLst>
+          </p:cNvPr>
+          <p:cNvSpPr txBox="1"/>
+          <p:nvPr/>
+        </p:nvSpPr>
+        <p:spPr>
+          <a:xfrm>
+            <a:off x="4460059" y="2740649"/>
+            <a:ext cx="1210588" cy="338554"/>
           </a:xfrm>
           <a:prstGeom prst="rect">
             <a:avLst/>
           </a:prstGeom>
-        </p:spPr>
-        <p:style>
-          <a:lnRef idx="2">
-            <a:schemeClr val="dk1"/>
-          </a:lnRef>
-          <a:fillRef idx="1">
-            <a:schemeClr val="lt1"/>
-          </a:fillRef>
-          <a:effectRef idx="0">
-            <a:schemeClr val="dk1"/>
-          </a:effectRef>
-          <a:fontRef idx="minor">
-            <a:schemeClr val="dk1"/>
-          </a:fontRef>
-        </p:style>
-        <p:txBody>
-          <a:bodyPr rtlCol="0" anchor="ctr"/>
-          <a:lstStyle/>
-          <a:p>
-            <a:pPr algn="ctr"/>
+          <a:noFill/>
+        </p:spPr>
+        <p:txBody>
+          <a:bodyPr wrap="none" rtlCol="0">
+            <a:spAutoFit/>
+          </a:bodyPr>
+          <a:lstStyle/>
+          <a:p>
             <a:r>
               <a:rPr lang="zh-CN" altLang="en-US" sz="1600" dirty="0"/>
-              <a:t>达到迭代次数</a:t>
-            </a:r>
-          </a:p>
-        </p:txBody>
-      </p:sp>
-      <p:cxnSp>
-        <p:nvCxnSpPr>
-          <p:cNvPr id="137" name="直接箭头连接符 136">
-            <a:extLst>
-              <a:ext uri="{FF2B5EF4-FFF2-40B4-BE49-F238E27FC236}">
-                <a16:creationId xmlns:a16="http://schemas.microsoft.com/office/drawing/2014/main" id="{618D8502-D4C7-457F-9E2B-46C17645AD0F}"/>
-              </a:ext>
-            </a:extLst>
-          </p:cNvPr>
-          <p:cNvCxnSpPr>
-            <a:cxnSpLocks/>
-            <a:endCxn id="139" idx="2"/>
-          </p:cNvCxnSpPr>
-          <p:nvPr/>
-        </p:nvCxnSpPr>
-        <p:spPr>
-          <a:xfrm flipV="1">
-            <a:off x="3725172" y="622177"/>
-            <a:ext cx="0" cy="317392"/>
-          </a:xfrm>
-          <a:prstGeom prst="straightConnector1">
-            <a:avLst/>
-          </a:prstGeom>
-          <a:ln>
-            <a:tailEnd type="triangle"/>
-          </a:ln>
-        </p:spPr>
-        <p:style>
-          <a:lnRef idx="1">
-            <a:schemeClr val="dk1"/>
-          </a:lnRef>
-          <a:fillRef idx="0">
-            <a:schemeClr val="dk1"/>
-          </a:fillRef>
-          <a:effectRef idx="0">
-            <a:schemeClr val="dk1"/>
-          </a:effectRef>
-          <a:fontRef idx="minor">
-            <a:schemeClr val="tx1"/>
-          </a:fontRef>
-        </p:style>
-      </p:cxnSp>
-      <p:sp>
-        <p:nvSpPr>
-          <p:cNvPr id="139" name="矩形: 圆角 138">
-            <a:extLst>
-              <a:ext uri="{FF2B5EF4-FFF2-40B4-BE49-F238E27FC236}">
-                <a16:creationId xmlns:a16="http://schemas.microsoft.com/office/drawing/2014/main" id="{9981441E-D55E-4636-890F-49407F014FE3}"/>
-              </a:ext>
-            </a:extLst>
-          </p:cNvPr>
-          <p:cNvSpPr/>
-          <p:nvPr/>
-        </p:nvSpPr>
-        <p:spPr>
-          <a:xfrm>
-            <a:off x="3125359" y="169171"/>
-            <a:ext cx="1199625" cy="453006"/>
-          </a:xfrm>
-          <a:prstGeom prst="roundRect">
-            <a:avLst/>
-          </a:prstGeom>
-        </p:spPr>
-        <p:style>
-          <a:lnRef idx="2">
-            <a:schemeClr val="dk1"/>
-          </a:lnRef>
-          <a:fillRef idx="1">
-            <a:schemeClr val="lt1"/>
-          </a:fillRef>
-          <a:effectRef idx="0">
-            <a:schemeClr val="dk1"/>
-          </a:effectRef>
-          <a:fontRef idx="minor">
-            <a:schemeClr val="dk1"/>
-          </a:fontRef>
-        </p:style>
-        <p:txBody>
-          <a:bodyPr rtlCol="0" anchor="ctr"/>
-          <a:lstStyle/>
-          <a:p>
-            <a:pPr algn="ctr"/>
-            <a:r>
-              <a:rPr lang="zh-CN" altLang="en-US" sz="1600" dirty="0"/>
-              <a:t>结束</a:t>
+              <a:t>增加限制集</a:t>
             </a:r>
           </a:p>
         </p:txBody>
@@ -5972,6 +5779,1664 @@
     <p:extLst>
       <p:ext uri="{BB962C8B-B14F-4D97-AF65-F5344CB8AC3E}">
         <p14:creationId xmlns:p14="http://schemas.microsoft.com/office/powerpoint/2010/main" val="2363932748"/>
+      </p:ext>
+    </p:extLst>
+  </p:cSld>
+  <p:clrMapOvr>
+    <a:masterClrMapping/>
+  </p:clrMapOvr>
+</p:sld>
+</file>
+
+<file path=ppt/slides/slide3.xml><?xml version="1.0" encoding="utf-8"?>
+<p:sld xmlns:a="http://schemas.openxmlformats.org/drawingml/2006/main" xmlns:r="http://schemas.openxmlformats.org/officeDocument/2006/relationships" xmlns:p="http://schemas.openxmlformats.org/presentationml/2006/main">
+  <p:cSld>
+    <p:spTree>
+      <p:nvGrpSpPr>
+        <p:cNvPr id="1" name=""/>
+        <p:cNvGrpSpPr/>
+        <p:nvPr/>
+      </p:nvGrpSpPr>
+      <p:grpSpPr>
+        <a:xfrm>
+          <a:off x="0" y="0"/>
+          <a:ext cx="0" cy="0"/>
+          <a:chOff x="0" y="0"/>
+          <a:chExt cx="0" cy="0"/>
+        </a:xfrm>
+      </p:grpSpPr>
+      <p:sp>
+        <p:nvSpPr>
+          <p:cNvPr id="4" name="矩形: 圆角 3">
+            <a:extLst>
+              <a:ext uri="{FF2B5EF4-FFF2-40B4-BE49-F238E27FC236}">
+                <a16:creationId xmlns:a16="http://schemas.microsoft.com/office/drawing/2014/main" id="{6915AC70-6A17-401C-AE6D-390CBE94E971}"/>
+              </a:ext>
+            </a:extLst>
+          </p:cNvPr>
+          <p:cNvSpPr/>
+          <p:nvPr/>
+        </p:nvSpPr>
+        <p:spPr>
+          <a:xfrm>
+            <a:off x="1065401" y="167779"/>
+            <a:ext cx="1199625" cy="453006"/>
+          </a:xfrm>
+          <a:prstGeom prst="roundRect">
+            <a:avLst/>
+          </a:prstGeom>
+        </p:spPr>
+        <p:style>
+          <a:lnRef idx="2">
+            <a:schemeClr val="dk1"/>
+          </a:lnRef>
+          <a:fillRef idx="1">
+            <a:schemeClr val="lt1"/>
+          </a:fillRef>
+          <a:effectRef idx="0">
+            <a:schemeClr val="dk1"/>
+          </a:effectRef>
+          <a:fontRef idx="minor">
+            <a:schemeClr val="dk1"/>
+          </a:fontRef>
+        </p:style>
+        <p:txBody>
+          <a:bodyPr rtlCol="0" anchor="ctr"/>
+          <a:lstStyle/>
+          <a:p>
+            <a:pPr algn="ctr"/>
+            <a:r>
+              <a:rPr lang="zh-CN" altLang="en-US" sz="1600" dirty="0"/>
+              <a:t>开始</a:t>
+            </a:r>
+          </a:p>
+        </p:txBody>
+      </p:sp>
+      <p:cxnSp>
+        <p:nvCxnSpPr>
+          <p:cNvPr id="6" name="直接箭头连接符 5">
+            <a:extLst>
+              <a:ext uri="{FF2B5EF4-FFF2-40B4-BE49-F238E27FC236}">
+                <a16:creationId xmlns:a16="http://schemas.microsoft.com/office/drawing/2014/main" id="{F79DBE12-D958-4392-B42B-B36B2C964A14}"/>
+              </a:ext>
+            </a:extLst>
+          </p:cNvPr>
+          <p:cNvCxnSpPr>
+            <a:cxnSpLocks/>
+            <a:stCxn id="4" idx="2"/>
+            <a:endCxn id="8" idx="0"/>
+          </p:cNvCxnSpPr>
+          <p:nvPr/>
+        </p:nvCxnSpPr>
+        <p:spPr>
+          <a:xfrm flipH="1">
+            <a:off x="1665207" y="620785"/>
+            <a:ext cx="7" cy="318782"/>
+          </a:xfrm>
+          <a:prstGeom prst="straightConnector1">
+            <a:avLst/>
+          </a:prstGeom>
+          <a:ln>
+            <a:tailEnd type="triangle"/>
+          </a:ln>
+        </p:spPr>
+        <p:style>
+          <a:lnRef idx="1">
+            <a:schemeClr val="dk1"/>
+          </a:lnRef>
+          <a:fillRef idx="0">
+            <a:schemeClr val="dk1"/>
+          </a:fillRef>
+          <a:effectRef idx="0">
+            <a:schemeClr val="dk1"/>
+          </a:effectRef>
+          <a:fontRef idx="minor">
+            <a:schemeClr val="tx1"/>
+          </a:fontRef>
+        </p:style>
+      </p:cxnSp>
+      <p:sp>
+        <p:nvSpPr>
+          <p:cNvPr id="8" name="矩形 7">
+            <a:extLst>
+              <a:ext uri="{FF2B5EF4-FFF2-40B4-BE49-F238E27FC236}">
+                <a16:creationId xmlns:a16="http://schemas.microsoft.com/office/drawing/2014/main" id="{E28B0480-CC49-4BB8-A8E0-C49076BD082E}"/>
+              </a:ext>
+            </a:extLst>
+          </p:cNvPr>
+          <p:cNvSpPr/>
+          <p:nvPr/>
+        </p:nvSpPr>
+        <p:spPr>
+          <a:xfrm>
+            <a:off x="1065387" y="939567"/>
+            <a:ext cx="1199640" cy="419449"/>
+          </a:xfrm>
+          <a:prstGeom prst="rect">
+            <a:avLst/>
+          </a:prstGeom>
+        </p:spPr>
+        <p:style>
+          <a:lnRef idx="2">
+            <a:schemeClr val="dk1"/>
+          </a:lnRef>
+          <a:fillRef idx="1">
+            <a:schemeClr val="lt1"/>
+          </a:fillRef>
+          <a:effectRef idx="0">
+            <a:schemeClr val="dk1"/>
+          </a:effectRef>
+          <a:fontRef idx="minor">
+            <a:schemeClr val="dk1"/>
+          </a:fontRef>
+        </p:style>
+        <p:txBody>
+          <a:bodyPr rtlCol="0" anchor="ctr"/>
+          <a:lstStyle/>
+          <a:p>
+            <a:pPr algn="ctr"/>
+            <a:r>
+              <a:rPr lang="zh-CN" altLang="en-US" sz="1600" dirty="0"/>
+              <a:t>初始化</a:t>
+            </a:r>
+          </a:p>
+        </p:txBody>
+      </p:sp>
+      <p:cxnSp>
+        <p:nvCxnSpPr>
+          <p:cNvPr id="10" name="直接箭头连接符 9">
+            <a:extLst>
+              <a:ext uri="{FF2B5EF4-FFF2-40B4-BE49-F238E27FC236}">
+                <a16:creationId xmlns:a16="http://schemas.microsoft.com/office/drawing/2014/main" id="{A5E85915-E42D-4485-8745-DF44CB514998}"/>
+              </a:ext>
+            </a:extLst>
+          </p:cNvPr>
+          <p:cNvCxnSpPr>
+            <a:cxnSpLocks/>
+            <a:stCxn id="8" idx="2"/>
+            <a:endCxn id="11" idx="0"/>
+          </p:cNvCxnSpPr>
+          <p:nvPr/>
+        </p:nvCxnSpPr>
+        <p:spPr>
+          <a:xfrm flipH="1">
+            <a:off x="1665072" y="1359016"/>
+            <a:ext cx="135" cy="419450"/>
+          </a:xfrm>
+          <a:prstGeom prst="straightConnector1">
+            <a:avLst/>
+          </a:prstGeom>
+          <a:ln>
+            <a:tailEnd type="triangle"/>
+          </a:ln>
+        </p:spPr>
+        <p:style>
+          <a:lnRef idx="1">
+            <a:schemeClr val="dk1"/>
+          </a:lnRef>
+          <a:fillRef idx="0">
+            <a:schemeClr val="dk1"/>
+          </a:fillRef>
+          <a:effectRef idx="0">
+            <a:schemeClr val="dk1"/>
+          </a:effectRef>
+          <a:fontRef idx="minor">
+            <a:schemeClr val="tx1"/>
+          </a:fontRef>
+        </p:style>
+      </p:cxnSp>
+      <p:sp>
+        <p:nvSpPr>
+          <p:cNvPr id="11" name="矩形 10">
+            <a:extLst>
+              <a:ext uri="{FF2B5EF4-FFF2-40B4-BE49-F238E27FC236}">
+                <a16:creationId xmlns:a16="http://schemas.microsoft.com/office/drawing/2014/main" id="{D9096EA0-FEC9-4B24-ACC3-5ED62156A872}"/>
+              </a:ext>
+            </a:extLst>
+          </p:cNvPr>
+          <p:cNvSpPr/>
+          <p:nvPr/>
+        </p:nvSpPr>
+        <p:spPr>
+          <a:xfrm>
+            <a:off x="1065116" y="1778466"/>
+            <a:ext cx="1199911" cy="633372"/>
+          </a:xfrm>
+          <a:prstGeom prst="rect">
+            <a:avLst/>
+          </a:prstGeom>
+        </p:spPr>
+        <p:style>
+          <a:lnRef idx="2">
+            <a:schemeClr val="dk1"/>
+          </a:lnRef>
+          <a:fillRef idx="1">
+            <a:schemeClr val="lt1"/>
+          </a:fillRef>
+          <a:effectRef idx="0">
+            <a:schemeClr val="dk1"/>
+          </a:effectRef>
+          <a:fontRef idx="minor">
+            <a:schemeClr val="dk1"/>
+          </a:fontRef>
+        </p:style>
+        <p:txBody>
+          <a:bodyPr rtlCol="0" anchor="ctr"/>
+          <a:lstStyle/>
+          <a:p>
+            <a:pPr algn="ctr"/>
+            <a:r>
+              <a:rPr lang="zh-CN" altLang="en-US" sz="1600" dirty="0"/>
+              <a:t>给定可行解和原成本</a:t>
+            </a:r>
+          </a:p>
+        </p:txBody>
+      </p:sp>
+      <p:sp>
+        <p:nvSpPr>
+          <p:cNvPr id="26" name="矩形 25">
+            <a:extLst>
+              <a:ext uri="{FF2B5EF4-FFF2-40B4-BE49-F238E27FC236}">
+                <a16:creationId xmlns:a16="http://schemas.microsoft.com/office/drawing/2014/main" id="{A2D675AA-8E0B-4F35-AC34-D9F367291E89}"/>
+              </a:ext>
+            </a:extLst>
+          </p:cNvPr>
+          <p:cNvSpPr/>
+          <p:nvPr/>
+        </p:nvSpPr>
+        <p:spPr>
+          <a:xfrm>
+            <a:off x="1065115" y="2835476"/>
+            <a:ext cx="1199911" cy="518020"/>
+          </a:xfrm>
+          <a:prstGeom prst="rect">
+            <a:avLst/>
+          </a:prstGeom>
+        </p:spPr>
+        <p:style>
+          <a:lnRef idx="2">
+            <a:schemeClr val="dk1"/>
+          </a:lnRef>
+          <a:fillRef idx="1">
+            <a:schemeClr val="lt1"/>
+          </a:fillRef>
+          <a:effectRef idx="0">
+            <a:schemeClr val="dk1"/>
+          </a:effectRef>
+          <a:fontRef idx="minor">
+            <a:schemeClr val="dk1"/>
+          </a:fontRef>
+        </p:style>
+        <p:txBody>
+          <a:bodyPr rtlCol="0" anchor="ctr"/>
+          <a:lstStyle/>
+          <a:p>
+            <a:pPr algn="ctr"/>
+            <a:r>
+              <a:rPr lang="zh-CN" altLang="en-US" sz="1600" dirty="0"/>
+              <a:t>选取初始</a:t>
+            </a:r>
+            <a:endParaRPr lang="en-US" altLang="zh-CN" sz="1600" dirty="0"/>
+          </a:p>
+          <a:p>
+            <a:pPr algn="ctr"/>
+            <a:r>
+              <a:rPr lang="zh-CN" altLang="en-US" sz="1600" dirty="0"/>
+              <a:t>限制集</a:t>
+            </a:r>
+          </a:p>
+        </p:txBody>
+      </p:sp>
+      <p:cxnSp>
+        <p:nvCxnSpPr>
+          <p:cNvPr id="27" name="直接箭头连接符 26">
+            <a:extLst>
+              <a:ext uri="{FF2B5EF4-FFF2-40B4-BE49-F238E27FC236}">
+                <a16:creationId xmlns:a16="http://schemas.microsoft.com/office/drawing/2014/main" id="{62178531-DFE9-458C-B9BF-A77CDF56A7F1}"/>
+              </a:ext>
+            </a:extLst>
+          </p:cNvPr>
+          <p:cNvCxnSpPr>
+            <a:cxnSpLocks/>
+          </p:cNvCxnSpPr>
+          <p:nvPr/>
+        </p:nvCxnSpPr>
+        <p:spPr>
+          <a:xfrm flipH="1">
+            <a:off x="1664935" y="2407640"/>
+            <a:ext cx="135" cy="419449"/>
+          </a:xfrm>
+          <a:prstGeom prst="straightConnector1">
+            <a:avLst/>
+          </a:prstGeom>
+          <a:ln>
+            <a:tailEnd type="triangle"/>
+          </a:ln>
+        </p:spPr>
+        <p:style>
+          <a:lnRef idx="1">
+            <a:schemeClr val="dk1"/>
+          </a:lnRef>
+          <a:fillRef idx="0">
+            <a:schemeClr val="dk1"/>
+          </a:fillRef>
+          <a:effectRef idx="0">
+            <a:schemeClr val="dk1"/>
+          </a:effectRef>
+          <a:fontRef idx="minor">
+            <a:schemeClr val="tx1"/>
+          </a:fontRef>
+        </p:style>
+      </p:cxnSp>
+      <p:sp>
+        <p:nvSpPr>
+          <p:cNvPr id="28" name="矩形 27">
+            <a:extLst>
+              <a:ext uri="{FF2B5EF4-FFF2-40B4-BE49-F238E27FC236}">
+                <a16:creationId xmlns:a16="http://schemas.microsoft.com/office/drawing/2014/main" id="{1BD86FC4-D03C-4304-847E-C2F1E5B8BD19}"/>
+              </a:ext>
+            </a:extLst>
+          </p:cNvPr>
+          <p:cNvSpPr/>
+          <p:nvPr/>
+        </p:nvSpPr>
+        <p:spPr>
+          <a:xfrm>
+            <a:off x="1065115" y="3785541"/>
+            <a:ext cx="1199911" cy="499143"/>
+          </a:xfrm>
+          <a:prstGeom prst="rect">
+            <a:avLst/>
+          </a:prstGeom>
+        </p:spPr>
+        <p:style>
+          <a:lnRef idx="2">
+            <a:schemeClr val="dk1"/>
+          </a:lnRef>
+          <a:fillRef idx="1">
+            <a:schemeClr val="lt1"/>
+          </a:fillRef>
+          <a:effectRef idx="0">
+            <a:schemeClr val="dk1"/>
+          </a:effectRef>
+          <a:fontRef idx="minor">
+            <a:schemeClr val="dk1"/>
+          </a:fontRef>
+        </p:style>
+        <p:txBody>
+          <a:bodyPr rtlCol="0" anchor="ctr"/>
+          <a:lstStyle/>
+          <a:p>
+            <a:pPr algn="ctr"/>
+            <a:r>
+              <a:rPr lang="zh-CN" altLang="en-US" sz="1600" dirty="0"/>
+              <a:t>求解主问题</a:t>
+            </a:r>
+            <a:r>
+              <a:rPr lang="en-US" altLang="zh-CN" sz="1600" dirty="0"/>
+              <a:t>LP</a:t>
+            </a:r>
+          </a:p>
+        </p:txBody>
+      </p:sp>
+      <p:cxnSp>
+        <p:nvCxnSpPr>
+          <p:cNvPr id="29" name="直接箭头连接符 28">
+            <a:extLst>
+              <a:ext uri="{FF2B5EF4-FFF2-40B4-BE49-F238E27FC236}">
+                <a16:creationId xmlns:a16="http://schemas.microsoft.com/office/drawing/2014/main" id="{44D7F45F-B170-4FE3-9372-D2A84391B8B2}"/>
+              </a:ext>
+            </a:extLst>
+          </p:cNvPr>
+          <p:cNvCxnSpPr>
+            <a:cxnSpLocks/>
+          </p:cNvCxnSpPr>
+          <p:nvPr/>
+        </p:nvCxnSpPr>
+        <p:spPr>
+          <a:xfrm flipH="1">
+            <a:off x="1664801" y="3359794"/>
+            <a:ext cx="135" cy="419449"/>
+          </a:xfrm>
+          <a:prstGeom prst="straightConnector1">
+            <a:avLst/>
+          </a:prstGeom>
+          <a:ln>
+            <a:tailEnd type="triangle"/>
+          </a:ln>
+        </p:spPr>
+        <p:style>
+          <a:lnRef idx="1">
+            <a:schemeClr val="dk1"/>
+          </a:lnRef>
+          <a:fillRef idx="0">
+            <a:schemeClr val="dk1"/>
+          </a:fillRef>
+          <a:effectRef idx="0">
+            <a:schemeClr val="dk1"/>
+          </a:effectRef>
+          <a:fontRef idx="minor">
+            <a:schemeClr val="tx1"/>
+          </a:fontRef>
+        </p:style>
+      </p:cxnSp>
+      <p:cxnSp>
+        <p:nvCxnSpPr>
+          <p:cNvPr id="31" name="直接箭头连接符 30">
+            <a:extLst>
+              <a:ext uri="{FF2B5EF4-FFF2-40B4-BE49-F238E27FC236}">
+                <a16:creationId xmlns:a16="http://schemas.microsoft.com/office/drawing/2014/main" id="{C49E9B05-3221-45D3-B9F1-32977BC8BCBF}"/>
+              </a:ext>
+            </a:extLst>
+          </p:cNvPr>
+          <p:cNvCxnSpPr>
+            <a:cxnSpLocks/>
+            <a:stCxn id="46" idx="3"/>
+            <a:endCxn id="52" idx="1"/>
+          </p:cNvCxnSpPr>
+          <p:nvPr/>
+        </p:nvCxnSpPr>
+        <p:spPr>
+          <a:xfrm>
+            <a:off x="2265026" y="4991453"/>
+            <a:ext cx="989899" cy="1105255"/>
+          </a:xfrm>
+          <a:prstGeom prst="straightConnector1">
+            <a:avLst/>
+          </a:prstGeom>
+          <a:ln>
+            <a:tailEnd type="triangle"/>
+          </a:ln>
+        </p:spPr>
+        <p:style>
+          <a:lnRef idx="1">
+            <a:schemeClr val="dk1"/>
+          </a:lnRef>
+          <a:fillRef idx="0">
+            <a:schemeClr val="dk1"/>
+          </a:fillRef>
+          <a:effectRef idx="0">
+            <a:schemeClr val="dk1"/>
+          </a:effectRef>
+          <a:fontRef idx="minor">
+            <a:schemeClr val="tx1"/>
+          </a:fontRef>
+        </p:style>
+      </p:cxnSp>
+      <p:cxnSp>
+        <p:nvCxnSpPr>
+          <p:cNvPr id="32" name="直接箭头连接符 31">
+            <a:extLst>
+              <a:ext uri="{FF2B5EF4-FFF2-40B4-BE49-F238E27FC236}">
+                <a16:creationId xmlns:a16="http://schemas.microsoft.com/office/drawing/2014/main" id="{BA86C89C-BA5E-4531-8ACB-BEC6CAA4597C}"/>
+              </a:ext>
+            </a:extLst>
+          </p:cNvPr>
+          <p:cNvCxnSpPr>
+            <a:cxnSpLocks/>
+            <a:stCxn id="46" idx="3"/>
+            <a:endCxn id="50" idx="1"/>
+          </p:cNvCxnSpPr>
+          <p:nvPr/>
+        </p:nvCxnSpPr>
+        <p:spPr>
+          <a:xfrm flipV="1">
+            <a:off x="2265026" y="4991452"/>
+            <a:ext cx="964733" cy="1"/>
+          </a:xfrm>
+          <a:prstGeom prst="straightConnector1">
+            <a:avLst/>
+          </a:prstGeom>
+          <a:ln>
+            <a:tailEnd type="triangle"/>
+          </a:ln>
+        </p:spPr>
+        <p:style>
+          <a:lnRef idx="1">
+            <a:schemeClr val="dk1"/>
+          </a:lnRef>
+          <a:fillRef idx="0">
+            <a:schemeClr val="dk1"/>
+          </a:fillRef>
+          <a:effectRef idx="0">
+            <a:schemeClr val="dk1"/>
+          </a:effectRef>
+          <a:fontRef idx="minor">
+            <a:schemeClr val="tx1"/>
+          </a:fontRef>
+        </p:style>
+      </p:cxnSp>
+      <p:cxnSp>
+        <p:nvCxnSpPr>
+          <p:cNvPr id="35" name="直接箭头连接符 34">
+            <a:extLst>
+              <a:ext uri="{FF2B5EF4-FFF2-40B4-BE49-F238E27FC236}">
+                <a16:creationId xmlns:a16="http://schemas.microsoft.com/office/drawing/2014/main" id="{FA0B4209-266A-4A4F-B4DB-070BF51255C4}"/>
+              </a:ext>
+            </a:extLst>
+          </p:cNvPr>
+          <p:cNvCxnSpPr>
+            <a:cxnSpLocks/>
+            <a:stCxn id="46" idx="3"/>
+            <a:endCxn id="39" idx="1"/>
+          </p:cNvCxnSpPr>
+          <p:nvPr/>
+        </p:nvCxnSpPr>
+        <p:spPr>
+          <a:xfrm flipV="1">
+            <a:off x="2265026" y="3937587"/>
+            <a:ext cx="956346" cy="1053866"/>
+          </a:xfrm>
+          <a:prstGeom prst="straightConnector1">
+            <a:avLst/>
+          </a:prstGeom>
+          <a:ln>
+            <a:tailEnd type="triangle"/>
+          </a:ln>
+        </p:spPr>
+        <p:style>
+          <a:lnRef idx="1">
+            <a:schemeClr val="dk1"/>
+          </a:lnRef>
+          <a:fillRef idx="0">
+            <a:schemeClr val="dk1"/>
+          </a:fillRef>
+          <a:effectRef idx="0">
+            <a:schemeClr val="dk1"/>
+          </a:effectRef>
+          <a:fontRef idx="minor">
+            <a:schemeClr val="tx1"/>
+          </a:fontRef>
+        </p:style>
+      </p:cxnSp>
+      <p:sp>
+        <p:nvSpPr>
+          <p:cNvPr id="39" name="矩形 38">
+            <a:extLst>
+              <a:ext uri="{FF2B5EF4-FFF2-40B4-BE49-F238E27FC236}">
+                <a16:creationId xmlns:a16="http://schemas.microsoft.com/office/drawing/2014/main" id="{F78B2140-35B7-4D04-AC39-FC4D8459D933}"/>
+              </a:ext>
+            </a:extLst>
+          </p:cNvPr>
+          <p:cNvSpPr/>
+          <p:nvPr/>
+        </p:nvSpPr>
+        <p:spPr>
+          <a:xfrm>
+            <a:off x="3221372" y="3569519"/>
+            <a:ext cx="1199911" cy="736135"/>
+          </a:xfrm>
+          <a:prstGeom prst="rect">
+            <a:avLst/>
+          </a:prstGeom>
+        </p:spPr>
+        <p:style>
+          <a:lnRef idx="2">
+            <a:schemeClr val="dk1"/>
+          </a:lnRef>
+          <a:fillRef idx="1">
+            <a:schemeClr val="lt1"/>
+          </a:fillRef>
+          <a:effectRef idx="0">
+            <a:schemeClr val="dk1"/>
+          </a:effectRef>
+          <a:fontRef idx="minor">
+            <a:schemeClr val="dk1"/>
+          </a:fontRef>
+        </p:style>
+        <p:txBody>
+          <a:bodyPr rtlCol="0" anchor="ctr"/>
+          <a:lstStyle/>
+          <a:p>
+            <a:pPr algn="ctr"/>
+            <a:r>
+              <a:rPr lang="zh-CN" altLang="en-US" sz="1600" dirty="0"/>
+              <a:t>方法一：</a:t>
+            </a:r>
+            <a:endParaRPr lang="en-US" altLang="zh-CN" sz="1600" dirty="0"/>
+          </a:p>
+          <a:p>
+            <a:pPr algn="ctr"/>
+            <a:r>
+              <a:rPr lang="zh-CN" altLang="en-US" sz="1600" dirty="0"/>
+              <a:t>求解子问题</a:t>
+            </a:r>
+            <a:r>
+              <a:rPr lang="en-US" altLang="zh-CN" sz="1600" dirty="0"/>
+              <a:t>IP</a:t>
+            </a:r>
+          </a:p>
+        </p:txBody>
+      </p:sp>
+      <p:cxnSp>
+        <p:nvCxnSpPr>
+          <p:cNvPr id="41" name="直接箭头连接符 40">
+            <a:extLst>
+              <a:ext uri="{FF2B5EF4-FFF2-40B4-BE49-F238E27FC236}">
+                <a16:creationId xmlns:a16="http://schemas.microsoft.com/office/drawing/2014/main" id="{53A0B237-1FD3-4265-906A-4EC8A76B2986}"/>
+              </a:ext>
+            </a:extLst>
+          </p:cNvPr>
+          <p:cNvCxnSpPr>
+            <a:cxnSpLocks/>
+          </p:cNvCxnSpPr>
+          <p:nvPr/>
+        </p:nvCxnSpPr>
+        <p:spPr>
+          <a:xfrm>
+            <a:off x="1656682" y="4284684"/>
+            <a:ext cx="0" cy="457197"/>
+          </a:xfrm>
+          <a:prstGeom prst="straightConnector1">
+            <a:avLst/>
+          </a:prstGeom>
+          <a:ln>
+            <a:tailEnd type="triangle"/>
+          </a:ln>
+        </p:spPr>
+        <p:style>
+          <a:lnRef idx="1">
+            <a:schemeClr val="dk1"/>
+          </a:lnRef>
+          <a:fillRef idx="0">
+            <a:schemeClr val="dk1"/>
+          </a:fillRef>
+          <a:effectRef idx="0">
+            <a:schemeClr val="dk1"/>
+          </a:effectRef>
+          <a:fontRef idx="minor">
+            <a:schemeClr val="tx1"/>
+          </a:fontRef>
+        </p:style>
+      </p:cxnSp>
+      <p:sp>
+        <p:nvSpPr>
+          <p:cNvPr id="46" name="矩形 45">
+            <a:extLst>
+              <a:ext uri="{FF2B5EF4-FFF2-40B4-BE49-F238E27FC236}">
+                <a16:creationId xmlns:a16="http://schemas.microsoft.com/office/drawing/2014/main" id="{934095B7-5D9D-4752-BA1A-736B9E331629}"/>
+              </a:ext>
+            </a:extLst>
+          </p:cNvPr>
+          <p:cNvSpPr/>
+          <p:nvPr/>
+        </p:nvSpPr>
+        <p:spPr>
+          <a:xfrm>
+            <a:off x="1065115" y="4741881"/>
+            <a:ext cx="1199911" cy="499143"/>
+          </a:xfrm>
+          <a:prstGeom prst="rect">
+            <a:avLst/>
+          </a:prstGeom>
+        </p:spPr>
+        <p:style>
+          <a:lnRef idx="2">
+            <a:schemeClr val="dk1"/>
+          </a:lnRef>
+          <a:fillRef idx="1">
+            <a:schemeClr val="lt1"/>
+          </a:fillRef>
+          <a:effectRef idx="0">
+            <a:schemeClr val="dk1"/>
+          </a:effectRef>
+          <a:fontRef idx="minor">
+            <a:schemeClr val="dk1"/>
+          </a:fontRef>
+        </p:style>
+        <p:txBody>
+          <a:bodyPr rtlCol="0" anchor="ctr"/>
+          <a:lstStyle/>
+          <a:p>
+            <a:pPr algn="ctr"/>
+            <a:r>
+              <a:rPr lang="zh-CN" altLang="en-US" sz="1600" dirty="0"/>
+              <a:t>主问题的解带入子问题</a:t>
+            </a:r>
+            <a:endParaRPr lang="en-US" altLang="zh-CN" sz="1600" dirty="0"/>
+          </a:p>
+        </p:txBody>
+      </p:sp>
+      <p:sp>
+        <p:nvSpPr>
+          <p:cNvPr id="50" name="矩形 49">
+            <a:extLst>
+              <a:ext uri="{FF2B5EF4-FFF2-40B4-BE49-F238E27FC236}">
+                <a16:creationId xmlns:a16="http://schemas.microsoft.com/office/drawing/2014/main" id="{3992D777-0FEF-44F8-BB96-E88416C65751}"/>
+              </a:ext>
+            </a:extLst>
+          </p:cNvPr>
+          <p:cNvSpPr/>
+          <p:nvPr/>
+        </p:nvSpPr>
+        <p:spPr>
+          <a:xfrm>
+            <a:off x="3229759" y="4623384"/>
+            <a:ext cx="1199911" cy="736135"/>
+          </a:xfrm>
+          <a:prstGeom prst="rect">
+            <a:avLst/>
+          </a:prstGeom>
+        </p:spPr>
+        <p:style>
+          <a:lnRef idx="2">
+            <a:schemeClr val="dk1"/>
+          </a:lnRef>
+          <a:fillRef idx="1">
+            <a:schemeClr val="lt1"/>
+          </a:fillRef>
+          <a:effectRef idx="0">
+            <a:schemeClr val="dk1"/>
+          </a:effectRef>
+          <a:fontRef idx="minor">
+            <a:schemeClr val="dk1"/>
+          </a:fontRef>
+        </p:style>
+        <p:txBody>
+          <a:bodyPr rtlCol="0" anchor="ctr"/>
+          <a:lstStyle/>
+          <a:p>
+            <a:pPr algn="ctr"/>
+            <a:r>
+              <a:rPr lang="zh-CN" altLang="en-US" sz="1600" dirty="0"/>
+              <a:t>方法二：</a:t>
+            </a:r>
+            <a:endParaRPr lang="en-US" altLang="zh-CN" sz="1600" dirty="0"/>
+          </a:p>
+          <a:p>
+            <a:pPr algn="ctr"/>
+            <a:r>
+              <a:rPr lang="zh-CN" altLang="en-US" sz="1600" dirty="0"/>
+              <a:t>求解子问题</a:t>
+            </a:r>
+            <a:endParaRPr lang="en-US" altLang="zh-CN" sz="1600" dirty="0"/>
+          </a:p>
+          <a:p>
+            <a:pPr algn="ctr"/>
+            <a:r>
+              <a:rPr lang="zh-CN" altLang="en-US" sz="1600" dirty="0"/>
+              <a:t>邻域搜索解</a:t>
+            </a:r>
+            <a:endParaRPr lang="en-US" altLang="zh-CN" sz="1600" dirty="0"/>
+          </a:p>
+        </p:txBody>
+      </p:sp>
+      <p:sp>
+        <p:nvSpPr>
+          <p:cNvPr id="52" name="矩形 51">
+            <a:extLst>
+              <a:ext uri="{FF2B5EF4-FFF2-40B4-BE49-F238E27FC236}">
+                <a16:creationId xmlns:a16="http://schemas.microsoft.com/office/drawing/2014/main" id="{699B6FEE-3FB0-4AE7-A985-4193EE081AC2}"/>
+              </a:ext>
+            </a:extLst>
+          </p:cNvPr>
+          <p:cNvSpPr/>
+          <p:nvPr/>
+        </p:nvSpPr>
+        <p:spPr>
+          <a:xfrm>
+            <a:off x="3254925" y="5728640"/>
+            <a:ext cx="1199911" cy="736135"/>
+          </a:xfrm>
+          <a:prstGeom prst="rect">
+            <a:avLst/>
+          </a:prstGeom>
+        </p:spPr>
+        <p:style>
+          <a:lnRef idx="2">
+            <a:schemeClr val="dk1"/>
+          </a:lnRef>
+          <a:fillRef idx="1">
+            <a:schemeClr val="lt1"/>
+          </a:fillRef>
+          <a:effectRef idx="0">
+            <a:schemeClr val="dk1"/>
+          </a:effectRef>
+          <a:fontRef idx="minor">
+            <a:schemeClr val="dk1"/>
+          </a:fontRef>
+        </p:style>
+        <p:txBody>
+          <a:bodyPr rtlCol="0" anchor="ctr"/>
+          <a:lstStyle/>
+          <a:p>
+            <a:pPr algn="ctr"/>
+            <a:r>
+              <a:rPr lang="zh-CN" altLang="en-US" sz="1600" dirty="0"/>
+              <a:t>方法三：</a:t>
+            </a:r>
+            <a:endParaRPr lang="en-US" altLang="zh-CN" sz="1600" dirty="0"/>
+          </a:p>
+          <a:p>
+            <a:pPr algn="ctr"/>
+            <a:r>
+              <a:rPr lang="zh-CN" altLang="en-US" sz="1600" dirty="0"/>
+              <a:t>求解子问题松弛</a:t>
+            </a:r>
+            <a:r>
+              <a:rPr lang="en-US" altLang="zh-CN" sz="1600" dirty="0"/>
+              <a:t>LP</a:t>
+            </a:r>
+          </a:p>
+        </p:txBody>
+      </p:sp>
+      <p:sp>
+        <p:nvSpPr>
+          <p:cNvPr id="63" name="流程图: 决策 62">
+            <a:extLst>
+              <a:ext uri="{FF2B5EF4-FFF2-40B4-BE49-F238E27FC236}">
+                <a16:creationId xmlns:a16="http://schemas.microsoft.com/office/drawing/2014/main" id="{B70D5F56-BCE1-4473-A769-3A5A6836BDBD}"/>
+              </a:ext>
+            </a:extLst>
+          </p:cNvPr>
+          <p:cNvSpPr/>
+          <p:nvPr/>
+        </p:nvSpPr>
+        <p:spPr>
+          <a:xfrm>
+            <a:off x="4900596" y="3455829"/>
+            <a:ext cx="1459637" cy="963514"/>
+          </a:xfrm>
+          <a:prstGeom prst="flowChartDecision">
+            <a:avLst/>
+          </a:prstGeom>
+        </p:spPr>
+        <p:style>
+          <a:lnRef idx="2">
+            <a:schemeClr val="dk1"/>
+          </a:lnRef>
+          <a:fillRef idx="1">
+            <a:schemeClr val="lt1"/>
+          </a:fillRef>
+          <a:effectRef idx="0">
+            <a:schemeClr val="dk1"/>
+          </a:effectRef>
+          <a:fontRef idx="minor">
+            <a:schemeClr val="dk1"/>
+          </a:fontRef>
+        </p:style>
+        <p:txBody>
+          <a:bodyPr lIns="0" tIns="0" rtlCol="0" anchor="t" anchorCtr="0">
+            <a:noAutofit/>
+          </a:bodyPr>
+          <a:lstStyle/>
+          <a:p>
+            <a:pPr algn="ctr"/>
+            <a:r>
+              <a:rPr lang="zh-CN" altLang="en-US" sz="1600" dirty="0"/>
+              <a:t>最优值</a:t>
+            </a:r>
+            <a:r>
+              <a:rPr lang="en-US" altLang="zh-CN" sz="1600" dirty="0"/>
+              <a:t>T &lt;0</a:t>
+            </a:r>
+            <a:endParaRPr lang="zh-CN" altLang="en-US" sz="1600" dirty="0"/>
+          </a:p>
+        </p:txBody>
+      </p:sp>
+      <p:cxnSp>
+        <p:nvCxnSpPr>
+          <p:cNvPr id="65" name="直接连接符 64">
+            <a:extLst>
+              <a:ext uri="{FF2B5EF4-FFF2-40B4-BE49-F238E27FC236}">
+                <a16:creationId xmlns:a16="http://schemas.microsoft.com/office/drawing/2014/main" id="{C5573F8F-BD48-4D16-9EB7-B66668B8439E}"/>
+              </a:ext>
+            </a:extLst>
+          </p:cNvPr>
+          <p:cNvCxnSpPr>
+            <a:cxnSpLocks/>
+            <a:stCxn id="63" idx="0"/>
+          </p:cNvCxnSpPr>
+          <p:nvPr/>
+        </p:nvCxnSpPr>
+        <p:spPr>
+          <a:xfrm flipH="1" flipV="1">
+            <a:off x="5620622" y="3078760"/>
+            <a:ext cx="9793" cy="377069"/>
+          </a:xfrm>
+          <a:prstGeom prst="line">
+            <a:avLst/>
+          </a:prstGeom>
+        </p:spPr>
+        <p:style>
+          <a:lnRef idx="1">
+            <a:schemeClr val="dk1"/>
+          </a:lnRef>
+          <a:fillRef idx="0">
+            <a:schemeClr val="dk1"/>
+          </a:fillRef>
+          <a:effectRef idx="0">
+            <a:schemeClr val="dk1"/>
+          </a:effectRef>
+          <a:fontRef idx="minor">
+            <a:schemeClr val="tx1"/>
+          </a:fontRef>
+        </p:style>
+      </p:cxnSp>
+      <p:cxnSp>
+        <p:nvCxnSpPr>
+          <p:cNvPr id="67" name="直接连接符 66">
+            <a:extLst>
+              <a:ext uri="{FF2B5EF4-FFF2-40B4-BE49-F238E27FC236}">
+                <a16:creationId xmlns:a16="http://schemas.microsoft.com/office/drawing/2014/main" id="{E02B8AAD-ACAB-41D8-81B7-29899D93B04B}"/>
+              </a:ext>
+            </a:extLst>
+          </p:cNvPr>
+          <p:cNvCxnSpPr>
+            <a:cxnSpLocks/>
+            <a:stCxn id="26" idx="3"/>
+          </p:cNvCxnSpPr>
+          <p:nvPr/>
+        </p:nvCxnSpPr>
+        <p:spPr>
+          <a:xfrm flipV="1">
+            <a:off x="2265026" y="3078760"/>
+            <a:ext cx="3355598" cy="15726"/>
+          </a:xfrm>
+          <a:prstGeom prst="line">
+            <a:avLst/>
+          </a:prstGeom>
+          <a:ln>
+            <a:headEnd type="triangle" w="med" len="med"/>
+            <a:tailEnd type="none" w="med" len="med"/>
+          </a:ln>
+        </p:spPr>
+        <p:style>
+          <a:lnRef idx="1">
+            <a:schemeClr val="dk1"/>
+          </a:lnRef>
+          <a:fillRef idx="0">
+            <a:schemeClr val="dk1"/>
+          </a:fillRef>
+          <a:effectRef idx="0">
+            <a:schemeClr val="dk1"/>
+          </a:effectRef>
+          <a:fontRef idx="minor">
+            <a:schemeClr val="tx1"/>
+          </a:fontRef>
+        </p:style>
+      </p:cxnSp>
+      <p:sp>
+        <p:nvSpPr>
+          <p:cNvPr id="69" name="矩形 68">
+            <a:extLst>
+              <a:ext uri="{FF2B5EF4-FFF2-40B4-BE49-F238E27FC236}">
+                <a16:creationId xmlns:a16="http://schemas.microsoft.com/office/drawing/2014/main" id="{C529349E-EDC8-4A5A-AD42-41D47B483D3E}"/>
+              </a:ext>
+            </a:extLst>
+          </p:cNvPr>
+          <p:cNvSpPr/>
+          <p:nvPr/>
+        </p:nvSpPr>
+        <p:spPr>
+          <a:xfrm>
+            <a:off x="3020674" y="1818056"/>
+            <a:ext cx="1408996" cy="736135"/>
+          </a:xfrm>
+          <a:prstGeom prst="rect">
+            <a:avLst/>
+          </a:prstGeom>
+        </p:spPr>
+        <p:style>
+          <a:lnRef idx="2">
+            <a:schemeClr val="dk1"/>
+          </a:lnRef>
+          <a:fillRef idx="1">
+            <a:schemeClr val="lt1"/>
+          </a:fillRef>
+          <a:effectRef idx="0">
+            <a:schemeClr val="dk1"/>
+          </a:effectRef>
+          <a:fontRef idx="minor">
+            <a:schemeClr val="dk1"/>
+          </a:fontRef>
+        </p:style>
+        <p:txBody>
+          <a:bodyPr rtlCol="0" anchor="ctr"/>
+          <a:lstStyle/>
+          <a:p>
+            <a:pPr algn="ctr"/>
+            <a:r>
+              <a:rPr lang="zh-CN" altLang="en-US" sz="1600" dirty="0"/>
+              <a:t>当问题规模较大时设置迭代次数</a:t>
+            </a:r>
+            <a:endParaRPr lang="en-US" altLang="zh-CN" sz="1600" dirty="0"/>
+          </a:p>
+        </p:txBody>
+      </p:sp>
+      <p:sp>
+        <p:nvSpPr>
+          <p:cNvPr id="70" name="文本框 69">
+            <a:extLst>
+              <a:ext uri="{FF2B5EF4-FFF2-40B4-BE49-F238E27FC236}">
+                <a16:creationId xmlns:a16="http://schemas.microsoft.com/office/drawing/2014/main" id="{9467B32A-4680-4CA1-A854-0D7E3A7B021D}"/>
+              </a:ext>
+            </a:extLst>
+          </p:cNvPr>
+          <p:cNvSpPr txBox="1"/>
+          <p:nvPr/>
+        </p:nvSpPr>
+        <p:spPr>
+          <a:xfrm>
+            <a:off x="5651411" y="3244334"/>
+            <a:ext cx="524503" cy="369332"/>
+          </a:xfrm>
+          <a:prstGeom prst="rect">
+            <a:avLst/>
+          </a:prstGeom>
+          <a:noFill/>
+        </p:spPr>
+        <p:txBody>
+          <a:bodyPr wrap="none" rtlCol="0">
+            <a:spAutoFit/>
+          </a:bodyPr>
+          <a:lstStyle/>
+          <a:p>
+            <a:r>
+              <a:rPr lang="en-US" altLang="zh-CN" dirty="0"/>
+              <a:t>Yes</a:t>
+            </a:r>
+            <a:endParaRPr lang="zh-CN" altLang="en-US" dirty="0"/>
+          </a:p>
+        </p:txBody>
+      </p:sp>
+      <p:sp>
+        <p:nvSpPr>
+          <p:cNvPr id="71" name="文本框 70">
+            <a:extLst>
+              <a:ext uri="{FF2B5EF4-FFF2-40B4-BE49-F238E27FC236}">
+                <a16:creationId xmlns:a16="http://schemas.microsoft.com/office/drawing/2014/main" id="{554090BC-4C49-4497-B647-83A8EFD9A134}"/>
+              </a:ext>
+            </a:extLst>
+          </p:cNvPr>
+          <p:cNvSpPr txBox="1"/>
+          <p:nvPr/>
+        </p:nvSpPr>
+        <p:spPr>
+          <a:xfrm>
+            <a:off x="5670647" y="4481806"/>
+            <a:ext cx="486030" cy="369332"/>
+          </a:xfrm>
+          <a:prstGeom prst="rect">
+            <a:avLst/>
+          </a:prstGeom>
+          <a:noFill/>
+        </p:spPr>
+        <p:txBody>
+          <a:bodyPr wrap="none" rtlCol="0">
+            <a:spAutoFit/>
+          </a:bodyPr>
+          <a:lstStyle/>
+          <a:p>
+            <a:r>
+              <a:rPr lang="en-US" altLang="zh-CN" dirty="0"/>
+              <a:t>No</a:t>
+            </a:r>
+            <a:endParaRPr lang="zh-CN" altLang="en-US" dirty="0"/>
+          </a:p>
+        </p:txBody>
+      </p:sp>
+      <p:sp>
+        <p:nvSpPr>
+          <p:cNvPr id="75" name="矩形: 圆角 74">
+            <a:extLst>
+              <a:ext uri="{FF2B5EF4-FFF2-40B4-BE49-F238E27FC236}">
+                <a16:creationId xmlns:a16="http://schemas.microsoft.com/office/drawing/2014/main" id="{BFE427D8-0BA9-4BF7-A205-C446CE83FBE9}"/>
+              </a:ext>
+            </a:extLst>
+          </p:cNvPr>
+          <p:cNvSpPr/>
+          <p:nvPr/>
+        </p:nvSpPr>
+        <p:spPr>
+          <a:xfrm>
+            <a:off x="5030462" y="5913804"/>
+            <a:ext cx="1199907" cy="461395"/>
+          </a:xfrm>
+          <a:prstGeom prst="roundRect">
+            <a:avLst/>
+          </a:prstGeom>
+        </p:spPr>
+        <p:style>
+          <a:lnRef idx="2">
+            <a:schemeClr val="dk1"/>
+          </a:lnRef>
+          <a:fillRef idx="1">
+            <a:schemeClr val="lt1"/>
+          </a:fillRef>
+          <a:effectRef idx="0">
+            <a:schemeClr val="dk1"/>
+          </a:effectRef>
+          <a:fontRef idx="minor">
+            <a:schemeClr val="dk1"/>
+          </a:fontRef>
+        </p:style>
+        <p:txBody>
+          <a:bodyPr rtlCol="0" anchor="ctr"/>
+          <a:lstStyle/>
+          <a:p>
+            <a:pPr algn="ctr"/>
+            <a:r>
+              <a:rPr lang="zh-CN" altLang="en-US" dirty="0"/>
+              <a:t>结束</a:t>
+            </a:r>
+          </a:p>
+        </p:txBody>
+      </p:sp>
+      <p:sp>
+        <p:nvSpPr>
+          <p:cNvPr id="77" name="矩形 76">
+            <a:extLst>
+              <a:ext uri="{FF2B5EF4-FFF2-40B4-BE49-F238E27FC236}">
+                <a16:creationId xmlns:a16="http://schemas.microsoft.com/office/drawing/2014/main" id="{B28707A1-158E-4A09-AE13-56C562E92332}"/>
+              </a:ext>
+            </a:extLst>
+          </p:cNvPr>
+          <p:cNvSpPr/>
+          <p:nvPr/>
+        </p:nvSpPr>
+        <p:spPr>
+          <a:xfrm>
+            <a:off x="4962088" y="4913602"/>
+            <a:ext cx="1317069" cy="526443"/>
+          </a:xfrm>
+          <a:prstGeom prst="rect">
+            <a:avLst/>
+          </a:prstGeom>
+        </p:spPr>
+        <p:style>
+          <a:lnRef idx="2">
+            <a:schemeClr val="dk1"/>
+          </a:lnRef>
+          <a:fillRef idx="1">
+            <a:schemeClr val="lt1"/>
+          </a:fillRef>
+          <a:effectRef idx="0">
+            <a:schemeClr val="dk1"/>
+          </a:effectRef>
+          <a:fontRef idx="minor">
+            <a:schemeClr val="dk1"/>
+          </a:fontRef>
+        </p:style>
+        <p:txBody>
+          <a:bodyPr rtlCol="0" anchor="ctr"/>
+          <a:lstStyle/>
+          <a:p>
+            <a:pPr algn="ctr"/>
+            <a:r>
+              <a:rPr lang="zh-CN" altLang="en-US" sz="1600" dirty="0"/>
+              <a:t>输出结果最小改变量</a:t>
+            </a:r>
+          </a:p>
+        </p:txBody>
+      </p:sp>
+      <p:cxnSp>
+        <p:nvCxnSpPr>
+          <p:cNvPr id="80" name="直接箭头连接符 79">
+            <a:extLst>
+              <a:ext uri="{FF2B5EF4-FFF2-40B4-BE49-F238E27FC236}">
+                <a16:creationId xmlns:a16="http://schemas.microsoft.com/office/drawing/2014/main" id="{5AFFF349-ACAC-4660-B7CF-CA1A41510F5C}"/>
+              </a:ext>
+            </a:extLst>
+          </p:cNvPr>
+          <p:cNvCxnSpPr>
+            <a:cxnSpLocks/>
+            <a:stCxn id="77" idx="2"/>
+            <a:endCxn id="75" idx="0"/>
+          </p:cNvCxnSpPr>
+          <p:nvPr/>
+        </p:nvCxnSpPr>
+        <p:spPr>
+          <a:xfrm>
+            <a:off x="5620623" y="5440045"/>
+            <a:ext cx="9793" cy="473759"/>
+          </a:xfrm>
+          <a:prstGeom prst="straightConnector1">
+            <a:avLst/>
+          </a:prstGeom>
+          <a:ln>
+            <a:tailEnd type="triangle"/>
+          </a:ln>
+        </p:spPr>
+        <p:style>
+          <a:lnRef idx="1">
+            <a:schemeClr val="dk1"/>
+          </a:lnRef>
+          <a:fillRef idx="0">
+            <a:schemeClr val="dk1"/>
+          </a:fillRef>
+          <a:effectRef idx="0">
+            <a:schemeClr val="dk1"/>
+          </a:effectRef>
+          <a:fontRef idx="minor">
+            <a:schemeClr val="tx1"/>
+          </a:fontRef>
+        </p:style>
+      </p:cxnSp>
+      <p:cxnSp>
+        <p:nvCxnSpPr>
+          <p:cNvPr id="96" name="直接箭头连接符 95">
+            <a:extLst>
+              <a:ext uri="{FF2B5EF4-FFF2-40B4-BE49-F238E27FC236}">
+                <a16:creationId xmlns:a16="http://schemas.microsoft.com/office/drawing/2014/main" id="{A7A26606-DD13-417B-95C4-76E21FFB8A8F}"/>
+              </a:ext>
+            </a:extLst>
+          </p:cNvPr>
+          <p:cNvCxnSpPr>
+            <a:cxnSpLocks/>
+            <a:stCxn id="63" idx="2"/>
+            <a:endCxn id="77" idx="0"/>
+          </p:cNvCxnSpPr>
+          <p:nvPr/>
+        </p:nvCxnSpPr>
+        <p:spPr>
+          <a:xfrm flipH="1">
+            <a:off x="5620623" y="4419343"/>
+            <a:ext cx="9792" cy="494259"/>
+          </a:xfrm>
+          <a:prstGeom prst="straightConnector1">
+            <a:avLst/>
+          </a:prstGeom>
+          <a:ln>
+            <a:tailEnd type="triangle"/>
+          </a:ln>
+        </p:spPr>
+        <p:style>
+          <a:lnRef idx="1">
+            <a:schemeClr val="dk1"/>
+          </a:lnRef>
+          <a:fillRef idx="0">
+            <a:schemeClr val="dk1"/>
+          </a:fillRef>
+          <a:effectRef idx="0">
+            <a:schemeClr val="dk1"/>
+          </a:effectRef>
+          <a:fontRef idx="minor">
+            <a:schemeClr val="tx1"/>
+          </a:fontRef>
+        </p:style>
+      </p:cxnSp>
+      <p:cxnSp>
+        <p:nvCxnSpPr>
+          <p:cNvPr id="105" name="直接箭头连接符 104">
+            <a:extLst>
+              <a:ext uri="{FF2B5EF4-FFF2-40B4-BE49-F238E27FC236}">
+                <a16:creationId xmlns:a16="http://schemas.microsoft.com/office/drawing/2014/main" id="{949182F0-9F94-4193-BBE0-5A94B99CB87D}"/>
+              </a:ext>
+            </a:extLst>
+          </p:cNvPr>
+          <p:cNvCxnSpPr>
+            <a:cxnSpLocks/>
+            <a:stCxn id="39" idx="3"/>
+            <a:endCxn id="63" idx="1"/>
+          </p:cNvCxnSpPr>
+          <p:nvPr/>
+        </p:nvCxnSpPr>
+        <p:spPr>
+          <a:xfrm flipV="1">
+            <a:off x="4421283" y="3937586"/>
+            <a:ext cx="479313" cy="1"/>
+          </a:xfrm>
+          <a:prstGeom prst="straightConnector1">
+            <a:avLst/>
+          </a:prstGeom>
+          <a:ln>
+            <a:tailEnd type="triangle"/>
+          </a:ln>
+        </p:spPr>
+        <p:style>
+          <a:lnRef idx="1">
+            <a:schemeClr val="dk1"/>
+          </a:lnRef>
+          <a:fillRef idx="0">
+            <a:schemeClr val="dk1"/>
+          </a:fillRef>
+          <a:effectRef idx="0">
+            <a:schemeClr val="dk1"/>
+          </a:effectRef>
+          <a:fontRef idx="minor">
+            <a:schemeClr val="tx1"/>
+          </a:fontRef>
+        </p:style>
+      </p:cxnSp>
+      <p:cxnSp>
+        <p:nvCxnSpPr>
+          <p:cNvPr id="113" name="直接连接符 112">
+            <a:extLst>
+              <a:ext uri="{FF2B5EF4-FFF2-40B4-BE49-F238E27FC236}">
+                <a16:creationId xmlns:a16="http://schemas.microsoft.com/office/drawing/2014/main" id="{F77C2A10-94D6-40E6-9F73-A317CD71889C}"/>
+              </a:ext>
+            </a:extLst>
+          </p:cNvPr>
+          <p:cNvCxnSpPr>
+            <a:stCxn id="52" idx="3"/>
+          </p:cNvCxnSpPr>
+          <p:nvPr/>
+        </p:nvCxnSpPr>
+        <p:spPr>
+          <a:xfrm flipV="1">
+            <a:off x="4454836" y="6096707"/>
+            <a:ext cx="206103" cy="1"/>
+          </a:xfrm>
+          <a:prstGeom prst="line">
+            <a:avLst/>
+          </a:prstGeom>
+        </p:spPr>
+        <p:style>
+          <a:lnRef idx="1">
+            <a:schemeClr val="dk1"/>
+          </a:lnRef>
+          <a:fillRef idx="0">
+            <a:schemeClr val="dk1"/>
+          </a:fillRef>
+          <a:effectRef idx="0">
+            <a:schemeClr val="dk1"/>
+          </a:effectRef>
+          <a:fontRef idx="minor">
+            <a:schemeClr val="tx1"/>
+          </a:fontRef>
+        </p:style>
+      </p:cxnSp>
+      <p:cxnSp>
+        <p:nvCxnSpPr>
+          <p:cNvPr id="114" name="直接连接符 113">
+            <a:extLst>
+              <a:ext uri="{FF2B5EF4-FFF2-40B4-BE49-F238E27FC236}">
+                <a16:creationId xmlns:a16="http://schemas.microsoft.com/office/drawing/2014/main" id="{2739F09D-7C98-4BA1-BACD-4FC976462A3F}"/>
+              </a:ext>
+            </a:extLst>
+          </p:cNvPr>
+          <p:cNvCxnSpPr>
+            <a:cxnSpLocks/>
+          </p:cNvCxnSpPr>
+          <p:nvPr/>
+        </p:nvCxnSpPr>
+        <p:spPr>
+          <a:xfrm flipV="1">
+            <a:off x="4421282" y="4991451"/>
+            <a:ext cx="223935" cy="2"/>
+          </a:xfrm>
+          <a:prstGeom prst="line">
+            <a:avLst/>
+          </a:prstGeom>
+        </p:spPr>
+        <p:style>
+          <a:lnRef idx="1">
+            <a:schemeClr val="dk1"/>
+          </a:lnRef>
+          <a:fillRef idx="0">
+            <a:schemeClr val="dk1"/>
+          </a:fillRef>
+          <a:effectRef idx="0">
+            <a:schemeClr val="dk1"/>
+          </a:effectRef>
+          <a:fontRef idx="minor">
+            <a:schemeClr val="tx1"/>
+          </a:fontRef>
+        </p:style>
+      </p:cxnSp>
+      <p:cxnSp>
+        <p:nvCxnSpPr>
+          <p:cNvPr id="116" name="直接连接符 115">
+            <a:extLst>
+              <a:ext uri="{FF2B5EF4-FFF2-40B4-BE49-F238E27FC236}">
+                <a16:creationId xmlns:a16="http://schemas.microsoft.com/office/drawing/2014/main" id="{1CF7D71F-CAFC-4431-901F-3D73E5652194}"/>
+              </a:ext>
+            </a:extLst>
+          </p:cNvPr>
+          <p:cNvCxnSpPr>
+            <a:cxnSpLocks/>
+          </p:cNvCxnSpPr>
+          <p:nvPr/>
+        </p:nvCxnSpPr>
+        <p:spPr>
+          <a:xfrm flipH="1" flipV="1">
+            <a:off x="4630637" y="3937586"/>
+            <a:ext cx="29161" cy="2159122"/>
+          </a:xfrm>
+          <a:prstGeom prst="line">
+            <a:avLst/>
+          </a:prstGeom>
+        </p:spPr>
+        <p:style>
+          <a:lnRef idx="1">
+            <a:schemeClr val="dk1"/>
+          </a:lnRef>
+          <a:fillRef idx="0">
+            <a:schemeClr val="dk1"/>
+          </a:fillRef>
+          <a:effectRef idx="0">
+            <a:schemeClr val="dk1"/>
+          </a:effectRef>
+          <a:fontRef idx="minor">
+            <a:schemeClr val="tx1"/>
+          </a:fontRef>
+        </p:style>
+      </p:cxnSp>
+      <p:cxnSp>
+        <p:nvCxnSpPr>
+          <p:cNvPr id="132" name="直接箭头连接符 131">
+            <a:extLst>
+              <a:ext uri="{FF2B5EF4-FFF2-40B4-BE49-F238E27FC236}">
+                <a16:creationId xmlns:a16="http://schemas.microsoft.com/office/drawing/2014/main" id="{FFB505FB-1761-44E2-B1FE-A967CDA220A4}"/>
+              </a:ext>
+            </a:extLst>
+          </p:cNvPr>
+          <p:cNvCxnSpPr>
+            <a:cxnSpLocks/>
+            <a:stCxn id="69" idx="2"/>
+          </p:cNvCxnSpPr>
+          <p:nvPr/>
+        </p:nvCxnSpPr>
+        <p:spPr>
+          <a:xfrm>
+            <a:off x="3725172" y="2554191"/>
+            <a:ext cx="0" cy="524569"/>
+          </a:xfrm>
+          <a:prstGeom prst="straightConnector1">
+            <a:avLst/>
+          </a:prstGeom>
+          <a:ln>
+            <a:headEnd type="triangle" w="med" len="med"/>
+            <a:tailEnd type="none" w="med" len="med"/>
+          </a:ln>
+        </p:spPr>
+        <p:style>
+          <a:lnRef idx="1">
+            <a:schemeClr val="dk1"/>
+          </a:lnRef>
+          <a:fillRef idx="0">
+            <a:schemeClr val="dk1"/>
+          </a:fillRef>
+          <a:effectRef idx="0">
+            <a:schemeClr val="dk1"/>
+          </a:effectRef>
+          <a:fontRef idx="minor">
+            <a:schemeClr val="tx1"/>
+          </a:fontRef>
+        </p:style>
+      </p:cxnSp>
+      <p:cxnSp>
+        <p:nvCxnSpPr>
+          <p:cNvPr id="135" name="直接箭头连接符 134">
+            <a:extLst>
+              <a:ext uri="{FF2B5EF4-FFF2-40B4-BE49-F238E27FC236}">
+                <a16:creationId xmlns:a16="http://schemas.microsoft.com/office/drawing/2014/main" id="{6563B1B8-D583-49B2-87B2-075F7ED6E779}"/>
+              </a:ext>
+            </a:extLst>
+          </p:cNvPr>
+          <p:cNvCxnSpPr>
+            <a:stCxn id="69" idx="0"/>
+          </p:cNvCxnSpPr>
+          <p:nvPr/>
+        </p:nvCxnSpPr>
+        <p:spPr>
+          <a:xfrm flipV="1">
+            <a:off x="3725172" y="1359016"/>
+            <a:ext cx="0" cy="459040"/>
+          </a:xfrm>
+          <a:prstGeom prst="straightConnector1">
+            <a:avLst/>
+          </a:prstGeom>
+          <a:ln>
+            <a:tailEnd type="triangle"/>
+          </a:ln>
+        </p:spPr>
+        <p:style>
+          <a:lnRef idx="1">
+            <a:schemeClr val="dk1"/>
+          </a:lnRef>
+          <a:fillRef idx="0">
+            <a:schemeClr val="dk1"/>
+          </a:fillRef>
+          <a:effectRef idx="0">
+            <a:schemeClr val="dk1"/>
+          </a:effectRef>
+          <a:fontRef idx="minor">
+            <a:schemeClr val="tx1"/>
+          </a:fontRef>
+        </p:style>
+      </p:cxnSp>
+      <p:sp>
+        <p:nvSpPr>
+          <p:cNvPr id="136" name="矩形 135">
+            <a:extLst>
+              <a:ext uri="{FF2B5EF4-FFF2-40B4-BE49-F238E27FC236}">
+                <a16:creationId xmlns:a16="http://schemas.microsoft.com/office/drawing/2014/main" id="{96BEEA3F-8AB0-4142-BCC5-1930FAB22B03}"/>
+              </a:ext>
+            </a:extLst>
+          </p:cNvPr>
+          <p:cNvSpPr/>
+          <p:nvPr/>
+        </p:nvSpPr>
+        <p:spPr>
+          <a:xfrm>
+            <a:off x="3020674" y="939567"/>
+            <a:ext cx="1408996" cy="419449"/>
+          </a:xfrm>
+          <a:prstGeom prst="rect">
+            <a:avLst/>
+          </a:prstGeom>
+        </p:spPr>
+        <p:style>
+          <a:lnRef idx="2">
+            <a:schemeClr val="dk1"/>
+          </a:lnRef>
+          <a:fillRef idx="1">
+            <a:schemeClr val="lt1"/>
+          </a:fillRef>
+          <a:effectRef idx="0">
+            <a:schemeClr val="dk1"/>
+          </a:effectRef>
+          <a:fontRef idx="minor">
+            <a:schemeClr val="dk1"/>
+          </a:fontRef>
+        </p:style>
+        <p:txBody>
+          <a:bodyPr rtlCol="0" anchor="ctr"/>
+          <a:lstStyle/>
+          <a:p>
+            <a:pPr algn="ctr"/>
+            <a:r>
+              <a:rPr lang="zh-CN" altLang="en-US" sz="1600" dirty="0"/>
+              <a:t>达到迭代次数</a:t>
+            </a:r>
+          </a:p>
+        </p:txBody>
+      </p:sp>
+      <p:cxnSp>
+        <p:nvCxnSpPr>
+          <p:cNvPr id="137" name="直接箭头连接符 136">
+            <a:extLst>
+              <a:ext uri="{FF2B5EF4-FFF2-40B4-BE49-F238E27FC236}">
+                <a16:creationId xmlns:a16="http://schemas.microsoft.com/office/drawing/2014/main" id="{618D8502-D4C7-457F-9E2B-46C17645AD0F}"/>
+              </a:ext>
+            </a:extLst>
+          </p:cNvPr>
+          <p:cNvCxnSpPr>
+            <a:cxnSpLocks/>
+            <a:endCxn id="139" idx="2"/>
+          </p:cNvCxnSpPr>
+          <p:nvPr/>
+        </p:nvCxnSpPr>
+        <p:spPr>
+          <a:xfrm flipV="1">
+            <a:off x="3725172" y="622177"/>
+            <a:ext cx="0" cy="317392"/>
+          </a:xfrm>
+          <a:prstGeom prst="straightConnector1">
+            <a:avLst/>
+          </a:prstGeom>
+          <a:ln>
+            <a:tailEnd type="triangle"/>
+          </a:ln>
+        </p:spPr>
+        <p:style>
+          <a:lnRef idx="1">
+            <a:schemeClr val="dk1"/>
+          </a:lnRef>
+          <a:fillRef idx="0">
+            <a:schemeClr val="dk1"/>
+          </a:fillRef>
+          <a:effectRef idx="0">
+            <a:schemeClr val="dk1"/>
+          </a:effectRef>
+          <a:fontRef idx="minor">
+            <a:schemeClr val="tx1"/>
+          </a:fontRef>
+        </p:style>
+      </p:cxnSp>
+      <p:sp>
+        <p:nvSpPr>
+          <p:cNvPr id="139" name="矩形: 圆角 138">
+            <a:extLst>
+              <a:ext uri="{FF2B5EF4-FFF2-40B4-BE49-F238E27FC236}">
+                <a16:creationId xmlns:a16="http://schemas.microsoft.com/office/drawing/2014/main" id="{9981441E-D55E-4636-890F-49407F014FE3}"/>
+              </a:ext>
+            </a:extLst>
+          </p:cNvPr>
+          <p:cNvSpPr/>
+          <p:nvPr/>
+        </p:nvSpPr>
+        <p:spPr>
+          <a:xfrm>
+            <a:off x="3125359" y="169171"/>
+            <a:ext cx="1199625" cy="453006"/>
+          </a:xfrm>
+          <a:prstGeom prst="roundRect">
+            <a:avLst/>
+          </a:prstGeom>
+        </p:spPr>
+        <p:style>
+          <a:lnRef idx="2">
+            <a:schemeClr val="dk1"/>
+          </a:lnRef>
+          <a:fillRef idx="1">
+            <a:schemeClr val="lt1"/>
+          </a:fillRef>
+          <a:effectRef idx="0">
+            <a:schemeClr val="dk1"/>
+          </a:effectRef>
+          <a:fontRef idx="minor">
+            <a:schemeClr val="dk1"/>
+          </a:fontRef>
+        </p:style>
+        <p:txBody>
+          <a:bodyPr rtlCol="0" anchor="ctr"/>
+          <a:lstStyle/>
+          <a:p>
+            <a:pPr algn="ctr"/>
+            <a:r>
+              <a:rPr lang="zh-CN" altLang="en-US" sz="1600" dirty="0"/>
+              <a:t>结束</a:t>
+            </a:r>
+          </a:p>
+        </p:txBody>
+      </p:sp>
+    </p:spTree>
+    <p:extLst>
+      <p:ext uri="{BB962C8B-B14F-4D97-AF65-F5344CB8AC3E}">
+        <p14:creationId xmlns:p14="http://schemas.microsoft.com/office/powerpoint/2010/main" val="1981454774"/>
       </p:ext>
     </p:extLst>
   </p:cSld>
